--- a/Phase02/Raw_StarSchema.pptx
+++ b/Phase02/Raw_StarSchema.pptx
@@ -117,12 +117,12 @@
   <pc:docChgLst>
     <pc:chgData name="fc59451" userId="4648837c-88ed-49a2-b8e2-351ab859b536" providerId="ADAL" clId="{60BE6726-42EE-4CBD-AF1B-8C19CD98AE18}"/>
     <pc:docChg chg="custSel modSld">
-      <pc:chgData name="fc59451" userId="4648837c-88ed-49a2-b8e2-351ab859b536" providerId="ADAL" clId="{60BE6726-42EE-4CBD-AF1B-8C19CD98AE18}" dt="2023-04-07T13:25:51.762" v="5" actId="1076"/>
+      <pc:chgData name="fc59451" userId="4648837c-88ed-49a2-b8e2-351ab859b536" providerId="ADAL" clId="{60BE6726-42EE-4CBD-AF1B-8C19CD98AE18}" dt="2023-04-08T15:40:56.281" v="6" actId="1076"/>
       <pc:docMkLst>
         <pc:docMk/>
       </pc:docMkLst>
       <pc:sldChg chg="addSp delSp modSp mod">
-        <pc:chgData name="fc59451" userId="4648837c-88ed-49a2-b8e2-351ab859b536" providerId="ADAL" clId="{60BE6726-42EE-4CBD-AF1B-8C19CD98AE18}" dt="2023-04-07T13:25:51.762" v="5" actId="1076"/>
+        <pc:chgData name="fc59451" userId="4648837c-88ed-49a2-b8e2-351ab859b536" providerId="ADAL" clId="{60BE6726-42EE-4CBD-AF1B-8C19CD98AE18}" dt="2023-04-08T15:40:56.281" v="6" actId="1076"/>
         <pc:sldMkLst>
           <pc:docMk/>
           <pc:sldMk cId="1096223140" sldId="256"/>
@@ -136,7 +136,7 @@
           </ac:picMkLst>
         </pc:picChg>
         <pc:picChg chg="add mod">
-          <ac:chgData name="fc59451" userId="4648837c-88ed-49a2-b8e2-351ab859b536" providerId="ADAL" clId="{60BE6726-42EE-4CBD-AF1B-8C19CD98AE18}" dt="2023-04-07T13:25:51.762" v="5" actId="1076"/>
+          <ac:chgData name="fc59451" userId="4648837c-88ed-49a2-b8e2-351ab859b536" providerId="ADAL" clId="{60BE6726-42EE-4CBD-AF1B-8C19CD98AE18}" dt="2023-04-08T15:40:56.281" v="6" actId="1076"/>
           <ac:picMkLst>
             <pc:docMk/>
             <pc:sldMk cId="1096223140" sldId="256"/>
@@ -330,7 +330,7 @@
           <a:p>
             <a:fld id="{11AE83D3-0E79-4015-9965-154FAB35187A}" type="datetimeFigureOut">
               <a:rPr lang="pt-PT" smtClean="0"/>
-              <a:t>07/04/2023</a:t>
+              <a:t>08/04/2023</a:t>
             </a:fld>
             <a:endParaRPr lang="pt-PT"/>
           </a:p>
@@ -530,7 +530,7 @@
           <a:p>
             <a:fld id="{11AE83D3-0E79-4015-9965-154FAB35187A}" type="datetimeFigureOut">
               <a:rPr lang="pt-PT" smtClean="0"/>
-              <a:t>07/04/2023</a:t>
+              <a:t>08/04/2023</a:t>
             </a:fld>
             <a:endParaRPr lang="pt-PT"/>
           </a:p>
@@ -740,7 +740,7 @@
           <a:p>
             <a:fld id="{11AE83D3-0E79-4015-9965-154FAB35187A}" type="datetimeFigureOut">
               <a:rPr lang="pt-PT" smtClean="0"/>
-              <a:t>07/04/2023</a:t>
+              <a:t>08/04/2023</a:t>
             </a:fld>
             <a:endParaRPr lang="pt-PT"/>
           </a:p>
@@ -940,7 +940,7 @@
           <a:p>
             <a:fld id="{11AE83D3-0E79-4015-9965-154FAB35187A}" type="datetimeFigureOut">
               <a:rPr lang="pt-PT" smtClean="0"/>
-              <a:t>07/04/2023</a:t>
+              <a:t>08/04/2023</a:t>
             </a:fld>
             <a:endParaRPr lang="pt-PT"/>
           </a:p>
@@ -1216,7 +1216,7 @@
           <a:p>
             <a:fld id="{11AE83D3-0E79-4015-9965-154FAB35187A}" type="datetimeFigureOut">
               <a:rPr lang="pt-PT" smtClean="0"/>
-              <a:t>07/04/2023</a:t>
+              <a:t>08/04/2023</a:t>
             </a:fld>
             <a:endParaRPr lang="pt-PT"/>
           </a:p>
@@ -1484,7 +1484,7 @@
           <a:p>
             <a:fld id="{11AE83D3-0E79-4015-9965-154FAB35187A}" type="datetimeFigureOut">
               <a:rPr lang="pt-PT" smtClean="0"/>
-              <a:t>07/04/2023</a:t>
+              <a:t>08/04/2023</a:t>
             </a:fld>
             <a:endParaRPr lang="pt-PT"/>
           </a:p>
@@ -1899,7 +1899,7 @@
           <a:p>
             <a:fld id="{11AE83D3-0E79-4015-9965-154FAB35187A}" type="datetimeFigureOut">
               <a:rPr lang="pt-PT" smtClean="0"/>
-              <a:t>07/04/2023</a:t>
+              <a:t>08/04/2023</a:t>
             </a:fld>
             <a:endParaRPr lang="pt-PT"/>
           </a:p>
@@ -2041,7 +2041,7 @@
           <a:p>
             <a:fld id="{11AE83D3-0E79-4015-9965-154FAB35187A}" type="datetimeFigureOut">
               <a:rPr lang="pt-PT" smtClean="0"/>
-              <a:t>07/04/2023</a:t>
+              <a:t>08/04/2023</a:t>
             </a:fld>
             <a:endParaRPr lang="pt-PT"/>
           </a:p>
@@ -2154,7 +2154,7 @@
           <a:p>
             <a:fld id="{11AE83D3-0E79-4015-9965-154FAB35187A}" type="datetimeFigureOut">
               <a:rPr lang="pt-PT" smtClean="0"/>
-              <a:t>07/04/2023</a:t>
+              <a:t>08/04/2023</a:t>
             </a:fld>
             <a:endParaRPr lang="pt-PT"/>
           </a:p>
@@ -2467,7 +2467,7 @@
           <a:p>
             <a:fld id="{11AE83D3-0E79-4015-9965-154FAB35187A}" type="datetimeFigureOut">
               <a:rPr lang="pt-PT" smtClean="0"/>
-              <a:t>07/04/2023</a:t>
+              <a:t>08/04/2023</a:t>
             </a:fld>
             <a:endParaRPr lang="pt-PT"/>
           </a:p>
@@ -2756,7 +2756,7 @@
           <a:p>
             <a:fld id="{11AE83D3-0E79-4015-9965-154FAB35187A}" type="datetimeFigureOut">
               <a:rPr lang="pt-PT" smtClean="0"/>
-              <a:t>07/04/2023</a:t>
+              <a:t>08/04/2023</a:t>
             </a:fld>
             <a:endParaRPr lang="pt-PT"/>
           </a:p>
@@ -2999,7 +2999,7 @@
           <a:p>
             <a:fld id="{11AE83D3-0E79-4015-9965-154FAB35187A}" type="datetimeFigureOut">
               <a:rPr lang="pt-PT" smtClean="0"/>
-              <a:t>07/04/2023</a:t>
+              <a:t>08/04/2023</a:t>
             </a:fld>
             <a:endParaRPr lang="pt-PT"/>
           </a:p>
@@ -3686,7 +3686,7 @@
         </p:blipFill>
         <p:spPr>
           <a:xfrm>
-            <a:off x="339833" y="0"/>
+            <a:off x="1082783" y="0"/>
             <a:ext cx="8027261" cy="6858000"/>
           </a:xfrm>
           <a:prstGeom prst="rect">
